--- a/Document/Temp/G3D产品改进方案-140519.pptx
+++ b/Document/Temp/G3D产品改进方案-140519.pptx
@@ -14212,18 +14212,7 @@
                   </a:schemeClr>
                 </a:solidFill>
               </a:rPr>
-              <a:t>产品改进</a:t>
-            </a:r>
-            <a:r>
-              <a:rPr lang="zh-CN" altLang="en-US" sz="2800" b="1" smtClean="0">
-                <a:solidFill>
-                  <a:schemeClr val="tx1">
-                    <a:lumMod val="75000"/>
-                    <a:lumOff val="25000"/>
-                  </a:schemeClr>
-                </a:solidFill>
-              </a:rPr>
-              <a:t>方案</a:t>
+              <a:t>产品改进方案</a:t>
             </a:r>
             <a:endParaRPr lang="en-US" altLang="zh-CN" sz="2800" b="1" dirty="0" smtClean="0">
               <a:solidFill>
@@ -22279,14 +22268,14 @@
           <p:nvPr>
             <p:extLst>
               <p:ext uri="{D42A27DB-BD31-4B8C-83A1-F6EECF244321}">
-                <p14:modId xmlns:p14="http://schemas.microsoft.com/office/powerpoint/2010/main" val="1779411703"/>
+                <p14:modId xmlns:p14="http://schemas.microsoft.com/office/powerpoint/2010/main" val="3529990549"/>
               </p:ext>
             </p:extLst>
           </p:nvPr>
         </p:nvGraphicFramePr>
         <p:xfrm>
           <a:off x="2123728" y="954990"/>
-          <a:ext cx="6696744" cy="4138157"/>
+          <a:ext cx="6624736" cy="4138157"/>
         </p:xfrm>
         <a:graphic>
           <a:graphicData uri="http://schemas.openxmlformats.org/drawingml/2006/table">
@@ -22295,8 +22284,8 @@
                 <a:tableStyleId>{00A15C55-8517-42AA-B614-E9B94910E393}</a:tableStyleId>
               </a:tblPr>
               <a:tblGrid>
-                <a:gridCol w="1435017"/>
-                <a:gridCol w="5261727"/>
+                <a:gridCol w="1419587"/>
+                <a:gridCol w="5205149"/>
               </a:tblGrid>
               <a:tr h="339695">
                 <a:tc>
